--- a/w7/w7-s6-av-slide1.pptx
+++ b/w7/w7-s6-av-slide1.pptx
@@ -245,7 +245,7 @@
           <a:p>
             <a:fld id="{2D9D616D-B1D5-4DF0-A220-24114155C41E}" type="datetimeFigureOut">
               <a:rPr lang="en-US" smtClean="0"/>
-              <a:t>7/6/2018</a:t>
+              <a:t>7/8/18</a:t>
             </a:fld>
             <a:endParaRPr lang="en-US"/>
           </a:p>
@@ -287,7 +287,7 @@
           <a:p>
             <a:fld id="{064AFB5C-8519-4206-B7F9-11E423646794}" type="slidenum">
               <a:rPr lang="en-US" smtClean="0"/>
-              <a:t>‹N°›</a:t>
+              <a:t>‹#›</a:t>
             </a:fld>
             <a:endParaRPr lang="en-US"/>
           </a:p>
@@ -415,7 +415,7 @@
           <a:p>
             <a:fld id="{2D9D616D-B1D5-4DF0-A220-24114155C41E}" type="datetimeFigureOut">
               <a:rPr lang="en-US" smtClean="0"/>
-              <a:t>7/6/2018</a:t>
+              <a:t>7/8/18</a:t>
             </a:fld>
             <a:endParaRPr lang="en-US"/>
           </a:p>
@@ -457,7 +457,7 @@
           <a:p>
             <a:fld id="{064AFB5C-8519-4206-B7F9-11E423646794}" type="slidenum">
               <a:rPr lang="en-US" smtClean="0"/>
-              <a:t>‹N°›</a:t>
+              <a:t>‹#›</a:t>
             </a:fld>
             <a:endParaRPr lang="en-US"/>
           </a:p>
@@ -595,7 +595,7 @@
           <a:p>
             <a:fld id="{2D9D616D-B1D5-4DF0-A220-24114155C41E}" type="datetimeFigureOut">
               <a:rPr lang="en-US" smtClean="0"/>
-              <a:t>7/6/2018</a:t>
+              <a:t>7/8/18</a:t>
             </a:fld>
             <a:endParaRPr lang="en-US"/>
           </a:p>
@@ -637,7 +637,7 @@
           <a:p>
             <a:fld id="{064AFB5C-8519-4206-B7F9-11E423646794}" type="slidenum">
               <a:rPr lang="en-US" smtClean="0"/>
-              <a:t>‹N°›</a:t>
+              <a:t>‹#›</a:t>
             </a:fld>
             <a:endParaRPr lang="en-US"/>
           </a:p>
@@ -765,7 +765,7 @@
           <a:p>
             <a:fld id="{2D9D616D-B1D5-4DF0-A220-24114155C41E}" type="datetimeFigureOut">
               <a:rPr lang="en-US" smtClean="0"/>
-              <a:t>7/6/2018</a:t>
+              <a:t>7/8/18</a:t>
             </a:fld>
             <a:endParaRPr lang="en-US"/>
           </a:p>
@@ -807,7 +807,7 @@
           <a:p>
             <a:fld id="{064AFB5C-8519-4206-B7F9-11E423646794}" type="slidenum">
               <a:rPr lang="en-US" smtClean="0"/>
-              <a:t>‹N°›</a:t>
+              <a:t>‹#›</a:t>
             </a:fld>
             <a:endParaRPr lang="en-US"/>
           </a:p>
@@ -1011,7 +1011,7 @@
           <a:p>
             <a:fld id="{2D9D616D-B1D5-4DF0-A220-24114155C41E}" type="datetimeFigureOut">
               <a:rPr lang="en-US" smtClean="0"/>
-              <a:t>7/6/2018</a:t>
+              <a:t>7/8/18</a:t>
             </a:fld>
             <a:endParaRPr lang="en-US"/>
           </a:p>
@@ -1053,7 +1053,7 @@
           <a:p>
             <a:fld id="{064AFB5C-8519-4206-B7F9-11E423646794}" type="slidenum">
               <a:rPr lang="en-US" smtClean="0"/>
-              <a:t>‹N°›</a:t>
+              <a:t>‹#›</a:t>
             </a:fld>
             <a:endParaRPr lang="en-US"/>
           </a:p>
@@ -1243,7 +1243,7 @@
           <a:p>
             <a:fld id="{2D9D616D-B1D5-4DF0-A220-24114155C41E}" type="datetimeFigureOut">
               <a:rPr lang="en-US" smtClean="0"/>
-              <a:t>7/6/2018</a:t>
+              <a:t>7/8/18</a:t>
             </a:fld>
             <a:endParaRPr lang="en-US"/>
           </a:p>
@@ -1285,7 +1285,7 @@
           <a:p>
             <a:fld id="{064AFB5C-8519-4206-B7F9-11E423646794}" type="slidenum">
               <a:rPr lang="en-US" smtClean="0"/>
-              <a:t>‹N°›</a:t>
+              <a:t>‹#›</a:t>
             </a:fld>
             <a:endParaRPr lang="en-US"/>
           </a:p>
@@ -1610,7 +1610,7 @@
           <a:p>
             <a:fld id="{2D9D616D-B1D5-4DF0-A220-24114155C41E}" type="datetimeFigureOut">
               <a:rPr lang="en-US" smtClean="0"/>
-              <a:t>7/6/2018</a:t>
+              <a:t>7/8/18</a:t>
             </a:fld>
             <a:endParaRPr lang="en-US"/>
           </a:p>
@@ -1652,7 +1652,7 @@
           <a:p>
             <a:fld id="{064AFB5C-8519-4206-B7F9-11E423646794}" type="slidenum">
               <a:rPr lang="en-US" smtClean="0"/>
-              <a:t>‹N°›</a:t>
+              <a:t>‹#›</a:t>
             </a:fld>
             <a:endParaRPr lang="en-US"/>
           </a:p>
@@ -1728,7 +1728,7 @@
           <a:p>
             <a:fld id="{2D9D616D-B1D5-4DF0-A220-24114155C41E}" type="datetimeFigureOut">
               <a:rPr lang="en-US" smtClean="0"/>
-              <a:t>7/6/2018</a:t>
+              <a:t>7/8/18</a:t>
             </a:fld>
             <a:endParaRPr lang="en-US"/>
           </a:p>
@@ -1770,7 +1770,7 @@
           <a:p>
             <a:fld id="{064AFB5C-8519-4206-B7F9-11E423646794}" type="slidenum">
               <a:rPr lang="en-US" smtClean="0"/>
-              <a:t>‹N°›</a:t>
+              <a:t>‹#›</a:t>
             </a:fld>
             <a:endParaRPr lang="en-US"/>
           </a:p>
@@ -1823,7 +1823,7 @@
           <a:p>
             <a:fld id="{2D9D616D-B1D5-4DF0-A220-24114155C41E}" type="datetimeFigureOut">
               <a:rPr lang="en-US" smtClean="0"/>
-              <a:t>7/6/2018</a:t>
+              <a:t>7/8/18</a:t>
             </a:fld>
             <a:endParaRPr lang="en-US"/>
           </a:p>
@@ -1865,7 +1865,7 @@
           <a:p>
             <a:fld id="{064AFB5C-8519-4206-B7F9-11E423646794}" type="slidenum">
               <a:rPr lang="en-US" smtClean="0"/>
-              <a:t>‹N°›</a:t>
+              <a:t>‹#›</a:t>
             </a:fld>
             <a:endParaRPr lang="en-US"/>
           </a:p>
@@ -2100,7 +2100,7 @@
           <a:p>
             <a:fld id="{2D9D616D-B1D5-4DF0-A220-24114155C41E}" type="datetimeFigureOut">
               <a:rPr lang="en-US" smtClean="0"/>
-              <a:t>7/6/2018</a:t>
+              <a:t>7/8/18</a:t>
             </a:fld>
             <a:endParaRPr lang="en-US"/>
           </a:p>
@@ -2142,7 +2142,7 @@
           <a:p>
             <a:fld id="{064AFB5C-8519-4206-B7F9-11E423646794}" type="slidenum">
               <a:rPr lang="en-US" smtClean="0"/>
-              <a:t>‹N°›</a:t>
+              <a:t>‹#›</a:t>
             </a:fld>
             <a:endParaRPr lang="en-US"/>
           </a:p>
@@ -2353,7 +2353,7 @@
           <a:p>
             <a:fld id="{2D9D616D-B1D5-4DF0-A220-24114155C41E}" type="datetimeFigureOut">
               <a:rPr lang="en-US" smtClean="0"/>
-              <a:t>7/6/2018</a:t>
+              <a:t>7/8/18</a:t>
             </a:fld>
             <a:endParaRPr lang="en-US"/>
           </a:p>
@@ -2395,7 +2395,7 @@
           <a:p>
             <a:fld id="{064AFB5C-8519-4206-B7F9-11E423646794}" type="slidenum">
               <a:rPr lang="en-US" smtClean="0"/>
-              <a:t>‹N°›</a:t>
+              <a:t>‹#›</a:t>
             </a:fld>
             <a:endParaRPr lang="en-US"/>
           </a:p>
@@ -2566,7 +2566,7 @@
           <a:p>
             <a:fld id="{2D9D616D-B1D5-4DF0-A220-24114155C41E}" type="datetimeFigureOut">
               <a:rPr lang="en-US" smtClean="0"/>
-              <a:t>7/6/2018</a:t>
+              <a:t>7/8/18</a:t>
             </a:fld>
             <a:endParaRPr lang="en-US"/>
           </a:p>
@@ -2644,7 +2644,7 @@
           <a:p>
             <a:fld id="{064AFB5C-8519-4206-B7F9-11E423646794}" type="slidenum">
               <a:rPr lang="en-US" smtClean="0"/>
-              <a:t>‹N°›</a:t>
+              <a:t>‹#›</a:t>
             </a:fld>
             <a:endParaRPr lang="en-US"/>
           </a:p>
@@ -2999,14 +2999,14 @@
                 <a:gridCol w="2057400">
                   <a:extLst>
                     <a:ext uri="{9D8B030D-6E8A-4147-A177-3AD203B41FA5}">
-                      <a16:colId xmlns:a16="http://schemas.microsoft.com/office/drawing/2014/main" val="20000"/>
+                      <a16:colId xmlns:a16="http://schemas.microsoft.com/office/drawing/2014/main" xmlns="" val="20000"/>
                     </a:ext>
                   </a:extLst>
                 </a:gridCol>
                 <a:gridCol w="2057400">
                   <a:extLst>
                     <a:ext uri="{9D8B030D-6E8A-4147-A177-3AD203B41FA5}">
-                      <a16:colId xmlns:a16="http://schemas.microsoft.com/office/drawing/2014/main" val="20001"/>
+                      <a16:colId xmlns:a16="http://schemas.microsoft.com/office/drawing/2014/main" xmlns="" val="20001"/>
                     </a:ext>
                   </a:extLst>
                 </a:gridCol>
@@ -3125,7 +3125,7 @@
                 </a:tc>
                 <a:extLst>
                   <a:ext uri="{0D108BD9-81ED-4DB2-BD59-A6C34878D82A}">
-                    <a16:rowId xmlns:a16="http://schemas.microsoft.com/office/drawing/2014/main" val="10000"/>
+                    <a16:rowId xmlns:a16="http://schemas.microsoft.com/office/drawing/2014/main" xmlns="" val="10000"/>
                   </a:ext>
                 </a:extLst>
               </a:tr>
@@ -3247,7 +3247,7 @@
                 </a:tc>
                 <a:extLst>
                   <a:ext uri="{0D108BD9-81ED-4DB2-BD59-A6C34878D82A}">
-                    <a16:rowId xmlns:a16="http://schemas.microsoft.com/office/drawing/2014/main" val="10001"/>
+                    <a16:rowId xmlns:a16="http://schemas.microsoft.com/office/drawing/2014/main" xmlns="" val="10001"/>
                   </a:ext>
                 </a:extLst>
               </a:tr>
@@ -3369,7 +3369,7 @@
                 </a:tc>
                 <a:extLst>
                   <a:ext uri="{0D108BD9-81ED-4DB2-BD59-A6C34878D82A}">
-                    <a16:rowId xmlns:a16="http://schemas.microsoft.com/office/drawing/2014/main" val="10002"/>
+                    <a16:rowId xmlns:a16="http://schemas.microsoft.com/office/drawing/2014/main" xmlns="" val="10002"/>
                   </a:ext>
                 </a:extLst>
               </a:tr>
@@ -3491,7 +3491,7 @@
                 </a:tc>
                 <a:extLst>
                   <a:ext uri="{0D108BD9-81ED-4DB2-BD59-A6C34878D82A}">
-                    <a16:rowId xmlns:a16="http://schemas.microsoft.com/office/drawing/2014/main" val="10003"/>
+                    <a16:rowId xmlns:a16="http://schemas.microsoft.com/office/drawing/2014/main" xmlns="" val="10003"/>
                   </a:ext>
                 </a:extLst>
               </a:tr>
@@ -3613,7 +3613,7 @@
                 </a:tc>
                 <a:extLst>
                   <a:ext uri="{0D108BD9-81ED-4DB2-BD59-A6C34878D82A}">
-                    <a16:rowId xmlns:a16="http://schemas.microsoft.com/office/drawing/2014/main" val="10004"/>
+                    <a16:rowId xmlns:a16="http://schemas.microsoft.com/office/drawing/2014/main" xmlns="" val="10004"/>
                   </a:ext>
                 </a:extLst>
               </a:tr>
@@ -3735,7 +3735,7 @@
                 </a:tc>
                 <a:extLst>
                   <a:ext uri="{0D108BD9-81ED-4DB2-BD59-A6C34878D82A}">
-                    <a16:rowId xmlns:a16="http://schemas.microsoft.com/office/drawing/2014/main" val="10005"/>
+                    <a16:rowId xmlns:a16="http://schemas.microsoft.com/office/drawing/2014/main" xmlns="" val="10005"/>
                   </a:ext>
                 </a:extLst>
               </a:tr>
@@ -3865,6 +3865,81 @@
           </a:p>
         </p:txBody>
       </p:sp>
+      <p:sp>
+        <p:nvSpPr>
+          <p:cNvPr id="3" name="TextBox 2"/>
+          <p:cNvSpPr txBox="1"/>
+          <p:nvPr/>
+        </p:nvSpPr>
+        <p:spPr>
+          <a:xfrm>
+            <a:off x="5452969" y="1202077"/>
+            <a:ext cx="606256" cy="369332"/>
+          </a:xfrm>
+          <a:prstGeom prst="rect">
+            <a:avLst/>
+          </a:prstGeom>
+          <a:noFill/>
+        </p:spPr>
+        <p:txBody>
+          <a:bodyPr wrap="none" rtlCol="0">
+            <a:spAutoFit/>
+          </a:bodyPr>
+          <a:lstStyle/>
+          <a:p>
+            <a:r>
+              <a:rPr lang="en-US" dirty="0" smtClean="0">
+                <a:solidFill>
+                  <a:schemeClr val="bg1">
+                    <a:lumMod val="75000"/>
+                  </a:schemeClr>
+                </a:solidFill>
+              </a:rPr>
+              <a:t>Jean</a:t>
+            </a:r>
+            <a:endParaRPr lang="en-US" dirty="0">
+              <a:solidFill>
+                <a:schemeClr val="bg1">
+                  <a:lumMod val="75000"/>
+                </a:schemeClr>
+              </a:solidFill>
+            </a:endParaRPr>
+          </a:p>
+        </p:txBody>
+      </p:sp>
+      <p:cxnSp>
+        <p:nvCxnSpPr>
+          <p:cNvPr id="8" name="Straight Arrow Connector 7"/>
+          <p:cNvCxnSpPr/>
+          <p:nvPr/>
+        </p:nvCxnSpPr>
+        <p:spPr>
+          <a:xfrm flipH="1">
+            <a:off x="4489807" y="1407560"/>
+            <a:ext cx="763038" cy="0"/>
+          </a:xfrm>
+          <a:prstGeom prst="straightConnector1">
+            <a:avLst/>
+          </a:prstGeom>
+          <a:ln>
+            <a:tailEnd type="triangle"/>
+          </a:ln>
+        </p:spPr>
+        <p:style>
+          <a:lnRef idx="1">
+            <a:schemeClr val="accent1"/>
+          </a:lnRef>
+          <a:fillRef idx="0">
+            <a:schemeClr val="accent1"/>
+          </a:fillRef>
+          <a:effectRef idx="0">
+            <a:schemeClr val="accent1"/>
+          </a:effectRef>
+          <a:fontRef idx="minor">
+            <a:schemeClr val="tx1"/>
+          </a:fontRef>
+        </p:style>
+      </p:cxnSp>
     </p:spTree>
     <p:extLst>
       <p:ext uri="{BB962C8B-B14F-4D97-AF65-F5344CB8AC3E}">
@@ -4063,21 +4138,21 @@
                 <a:gridCol w="2057400">
                   <a:extLst>
                     <a:ext uri="{9D8B030D-6E8A-4147-A177-3AD203B41FA5}">
-                      <a16:colId xmlns:a16="http://schemas.microsoft.com/office/drawing/2014/main" val="20000"/>
+                      <a16:colId xmlns:a16="http://schemas.microsoft.com/office/drawing/2014/main" xmlns="" val="20000"/>
                     </a:ext>
                   </a:extLst>
                 </a:gridCol>
                 <a:gridCol w="2057400">
                   <a:extLst>
                     <a:ext uri="{9D8B030D-6E8A-4147-A177-3AD203B41FA5}">
-                      <a16:colId xmlns:a16="http://schemas.microsoft.com/office/drawing/2014/main" val="20001"/>
+                      <a16:colId xmlns:a16="http://schemas.microsoft.com/office/drawing/2014/main" xmlns="" val="20001"/>
                     </a:ext>
                   </a:extLst>
                 </a:gridCol>
                 <a:gridCol w="2057400">
                   <a:extLst>
                     <a:ext uri="{9D8B030D-6E8A-4147-A177-3AD203B41FA5}">
-                      <a16:colId xmlns:a16="http://schemas.microsoft.com/office/drawing/2014/main" val="20002"/>
+                      <a16:colId xmlns:a16="http://schemas.microsoft.com/office/drawing/2014/main" xmlns="" val="20002"/>
                     </a:ext>
                   </a:extLst>
                 </a:gridCol>
@@ -4257,7 +4332,7 @@
                 </a:tc>
                 <a:extLst>
                   <a:ext uri="{0D108BD9-81ED-4DB2-BD59-A6C34878D82A}">
-                    <a16:rowId xmlns:a16="http://schemas.microsoft.com/office/drawing/2014/main" val="10000"/>
+                    <a16:rowId xmlns:a16="http://schemas.microsoft.com/office/drawing/2014/main" xmlns="" val="10000"/>
                   </a:ext>
                 </a:extLst>
               </a:tr>
@@ -4433,7 +4508,7 @@
                 </a:tc>
                 <a:extLst>
                   <a:ext uri="{0D108BD9-81ED-4DB2-BD59-A6C34878D82A}">
-                    <a16:rowId xmlns:a16="http://schemas.microsoft.com/office/drawing/2014/main" val="10001"/>
+                    <a16:rowId xmlns:a16="http://schemas.microsoft.com/office/drawing/2014/main" xmlns="" val="10001"/>
                   </a:ext>
                 </a:extLst>
               </a:tr>
@@ -4609,7 +4684,7 @@
                 </a:tc>
                 <a:extLst>
                   <a:ext uri="{0D108BD9-81ED-4DB2-BD59-A6C34878D82A}">
-                    <a16:rowId xmlns:a16="http://schemas.microsoft.com/office/drawing/2014/main" val="10002"/>
+                    <a16:rowId xmlns:a16="http://schemas.microsoft.com/office/drawing/2014/main" xmlns="" val="10002"/>
                   </a:ext>
                 </a:extLst>
               </a:tr>
@@ -4785,7 +4860,7 @@
                 </a:tc>
                 <a:extLst>
                   <a:ext uri="{0D108BD9-81ED-4DB2-BD59-A6C34878D82A}">
-                    <a16:rowId xmlns:a16="http://schemas.microsoft.com/office/drawing/2014/main" val="10003"/>
+                    <a16:rowId xmlns:a16="http://schemas.microsoft.com/office/drawing/2014/main" xmlns="" val="10003"/>
                   </a:ext>
                 </a:extLst>
               </a:tr>
@@ -4961,7 +5036,7 @@
                 </a:tc>
                 <a:extLst>
                   <a:ext uri="{0D108BD9-81ED-4DB2-BD59-A6C34878D82A}">
-                    <a16:rowId xmlns:a16="http://schemas.microsoft.com/office/drawing/2014/main" val="10004"/>
+                    <a16:rowId xmlns:a16="http://schemas.microsoft.com/office/drawing/2014/main" xmlns="" val="10004"/>
                   </a:ext>
                 </a:extLst>
               </a:tr>
@@ -5137,7 +5212,7 @@
                 </a:tc>
                 <a:extLst>
                   <a:ext uri="{0D108BD9-81ED-4DB2-BD59-A6C34878D82A}">
-                    <a16:rowId xmlns:a16="http://schemas.microsoft.com/office/drawing/2014/main" val="10005"/>
+                    <a16:rowId xmlns:a16="http://schemas.microsoft.com/office/drawing/2014/main" xmlns="" val="10005"/>
                   </a:ext>
                 </a:extLst>
               </a:tr>

--- a/w7/w7-s6-av-slide1.pptx
+++ b/w7/w7-s6-av-slide1.pptx
@@ -245,7 +245,7 @@
           <a:p>
             <a:fld id="{2D9D616D-B1D5-4DF0-A220-24114155C41E}" type="datetimeFigureOut">
               <a:rPr lang="en-US" smtClean="0"/>
-              <a:t>7/8/18</a:t>
+              <a:t>7/9/2018</a:t>
             </a:fld>
             <a:endParaRPr lang="en-US"/>
           </a:p>
@@ -287,7 +287,7 @@
           <a:p>
             <a:fld id="{064AFB5C-8519-4206-B7F9-11E423646794}" type="slidenum">
               <a:rPr lang="en-US" smtClean="0"/>
-              <a:t>‹#›</a:t>
+              <a:t>‹N°›</a:t>
             </a:fld>
             <a:endParaRPr lang="en-US"/>
           </a:p>
@@ -415,7 +415,7 @@
           <a:p>
             <a:fld id="{2D9D616D-B1D5-4DF0-A220-24114155C41E}" type="datetimeFigureOut">
               <a:rPr lang="en-US" smtClean="0"/>
-              <a:t>7/8/18</a:t>
+              <a:t>7/9/2018</a:t>
             </a:fld>
             <a:endParaRPr lang="en-US"/>
           </a:p>
@@ -457,7 +457,7 @@
           <a:p>
             <a:fld id="{064AFB5C-8519-4206-B7F9-11E423646794}" type="slidenum">
               <a:rPr lang="en-US" smtClean="0"/>
-              <a:t>‹#›</a:t>
+              <a:t>‹N°›</a:t>
             </a:fld>
             <a:endParaRPr lang="en-US"/>
           </a:p>
@@ -595,7 +595,7 @@
           <a:p>
             <a:fld id="{2D9D616D-B1D5-4DF0-A220-24114155C41E}" type="datetimeFigureOut">
               <a:rPr lang="en-US" smtClean="0"/>
-              <a:t>7/8/18</a:t>
+              <a:t>7/9/2018</a:t>
             </a:fld>
             <a:endParaRPr lang="en-US"/>
           </a:p>
@@ -637,7 +637,7 @@
           <a:p>
             <a:fld id="{064AFB5C-8519-4206-B7F9-11E423646794}" type="slidenum">
               <a:rPr lang="en-US" smtClean="0"/>
-              <a:t>‹#›</a:t>
+              <a:t>‹N°›</a:t>
             </a:fld>
             <a:endParaRPr lang="en-US"/>
           </a:p>
@@ -765,7 +765,7 @@
           <a:p>
             <a:fld id="{2D9D616D-B1D5-4DF0-A220-24114155C41E}" type="datetimeFigureOut">
               <a:rPr lang="en-US" smtClean="0"/>
-              <a:t>7/8/18</a:t>
+              <a:t>7/9/2018</a:t>
             </a:fld>
             <a:endParaRPr lang="en-US"/>
           </a:p>
@@ -807,7 +807,7 @@
           <a:p>
             <a:fld id="{064AFB5C-8519-4206-B7F9-11E423646794}" type="slidenum">
               <a:rPr lang="en-US" smtClean="0"/>
-              <a:t>‹#›</a:t>
+              <a:t>‹N°›</a:t>
             </a:fld>
             <a:endParaRPr lang="en-US"/>
           </a:p>
@@ -1011,7 +1011,7 @@
           <a:p>
             <a:fld id="{2D9D616D-B1D5-4DF0-A220-24114155C41E}" type="datetimeFigureOut">
               <a:rPr lang="en-US" smtClean="0"/>
-              <a:t>7/8/18</a:t>
+              <a:t>7/9/2018</a:t>
             </a:fld>
             <a:endParaRPr lang="en-US"/>
           </a:p>
@@ -1053,7 +1053,7 @@
           <a:p>
             <a:fld id="{064AFB5C-8519-4206-B7F9-11E423646794}" type="slidenum">
               <a:rPr lang="en-US" smtClean="0"/>
-              <a:t>‹#›</a:t>
+              <a:t>‹N°›</a:t>
             </a:fld>
             <a:endParaRPr lang="en-US"/>
           </a:p>
@@ -1243,7 +1243,7 @@
           <a:p>
             <a:fld id="{2D9D616D-B1D5-4DF0-A220-24114155C41E}" type="datetimeFigureOut">
               <a:rPr lang="en-US" smtClean="0"/>
-              <a:t>7/8/18</a:t>
+              <a:t>7/9/2018</a:t>
             </a:fld>
             <a:endParaRPr lang="en-US"/>
           </a:p>
@@ -1285,7 +1285,7 @@
           <a:p>
             <a:fld id="{064AFB5C-8519-4206-B7F9-11E423646794}" type="slidenum">
               <a:rPr lang="en-US" smtClean="0"/>
-              <a:t>‹#›</a:t>
+              <a:t>‹N°›</a:t>
             </a:fld>
             <a:endParaRPr lang="en-US"/>
           </a:p>
@@ -1610,7 +1610,7 @@
           <a:p>
             <a:fld id="{2D9D616D-B1D5-4DF0-A220-24114155C41E}" type="datetimeFigureOut">
               <a:rPr lang="en-US" smtClean="0"/>
-              <a:t>7/8/18</a:t>
+              <a:t>7/9/2018</a:t>
             </a:fld>
             <a:endParaRPr lang="en-US"/>
           </a:p>
@@ -1652,7 +1652,7 @@
           <a:p>
             <a:fld id="{064AFB5C-8519-4206-B7F9-11E423646794}" type="slidenum">
               <a:rPr lang="en-US" smtClean="0"/>
-              <a:t>‹#›</a:t>
+              <a:t>‹N°›</a:t>
             </a:fld>
             <a:endParaRPr lang="en-US"/>
           </a:p>
@@ -1728,7 +1728,7 @@
           <a:p>
             <a:fld id="{2D9D616D-B1D5-4DF0-A220-24114155C41E}" type="datetimeFigureOut">
               <a:rPr lang="en-US" smtClean="0"/>
-              <a:t>7/8/18</a:t>
+              <a:t>7/9/2018</a:t>
             </a:fld>
             <a:endParaRPr lang="en-US"/>
           </a:p>
@@ -1770,7 +1770,7 @@
           <a:p>
             <a:fld id="{064AFB5C-8519-4206-B7F9-11E423646794}" type="slidenum">
               <a:rPr lang="en-US" smtClean="0"/>
-              <a:t>‹#›</a:t>
+              <a:t>‹N°›</a:t>
             </a:fld>
             <a:endParaRPr lang="en-US"/>
           </a:p>
@@ -1823,7 +1823,7 @@
           <a:p>
             <a:fld id="{2D9D616D-B1D5-4DF0-A220-24114155C41E}" type="datetimeFigureOut">
               <a:rPr lang="en-US" smtClean="0"/>
-              <a:t>7/8/18</a:t>
+              <a:t>7/9/2018</a:t>
             </a:fld>
             <a:endParaRPr lang="en-US"/>
           </a:p>
@@ -1865,7 +1865,7 @@
           <a:p>
             <a:fld id="{064AFB5C-8519-4206-B7F9-11E423646794}" type="slidenum">
               <a:rPr lang="en-US" smtClean="0"/>
-              <a:t>‹#›</a:t>
+              <a:t>‹N°›</a:t>
             </a:fld>
             <a:endParaRPr lang="en-US"/>
           </a:p>
@@ -2100,7 +2100,7 @@
           <a:p>
             <a:fld id="{2D9D616D-B1D5-4DF0-A220-24114155C41E}" type="datetimeFigureOut">
               <a:rPr lang="en-US" smtClean="0"/>
-              <a:t>7/8/18</a:t>
+              <a:t>7/9/2018</a:t>
             </a:fld>
             <a:endParaRPr lang="en-US"/>
           </a:p>
@@ -2142,7 +2142,7 @@
           <a:p>
             <a:fld id="{064AFB5C-8519-4206-B7F9-11E423646794}" type="slidenum">
               <a:rPr lang="en-US" smtClean="0"/>
-              <a:t>‹#›</a:t>
+              <a:t>‹N°›</a:t>
             </a:fld>
             <a:endParaRPr lang="en-US"/>
           </a:p>
@@ -2353,7 +2353,7 @@
           <a:p>
             <a:fld id="{2D9D616D-B1D5-4DF0-A220-24114155C41E}" type="datetimeFigureOut">
               <a:rPr lang="en-US" smtClean="0"/>
-              <a:t>7/8/18</a:t>
+              <a:t>7/9/2018</a:t>
             </a:fld>
             <a:endParaRPr lang="en-US"/>
           </a:p>
@@ -2395,7 +2395,7 @@
           <a:p>
             <a:fld id="{064AFB5C-8519-4206-B7F9-11E423646794}" type="slidenum">
               <a:rPr lang="en-US" smtClean="0"/>
-              <a:t>‹#›</a:t>
+              <a:t>‹N°›</a:t>
             </a:fld>
             <a:endParaRPr lang="en-US"/>
           </a:p>
@@ -2566,7 +2566,7 @@
           <a:p>
             <a:fld id="{2D9D616D-B1D5-4DF0-A220-24114155C41E}" type="datetimeFigureOut">
               <a:rPr lang="en-US" smtClean="0"/>
-              <a:t>7/8/18</a:t>
+              <a:t>7/9/2018</a:t>
             </a:fld>
             <a:endParaRPr lang="en-US"/>
           </a:p>
@@ -2644,7 +2644,7 @@
           <a:p>
             <a:fld id="{064AFB5C-8519-4206-B7F9-11E423646794}" type="slidenum">
               <a:rPr lang="en-US" smtClean="0"/>
-              <a:t>‹#›</a:t>
+              <a:t>‹N°›</a:t>
             </a:fld>
             <a:endParaRPr lang="en-US"/>
           </a:p>
@@ -2999,14 +2999,14 @@
                 <a:gridCol w="2057400">
                   <a:extLst>
                     <a:ext uri="{9D8B030D-6E8A-4147-A177-3AD203B41FA5}">
-                      <a16:colId xmlns:a16="http://schemas.microsoft.com/office/drawing/2014/main" xmlns="" val="20000"/>
+                      <a16:colId xmlns:a16="http://schemas.microsoft.com/office/drawing/2014/main" val="20000"/>
                     </a:ext>
                   </a:extLst>
                 </a:gridCol>
                 <a:gridCol w="2057400">
                   <a:extLst>
                     <a:ext uri="{9D8B030D-6E8A-4147-A177-3AD203B41FA5}">
-                      <a16:colId xmlns:a16="http://schemas.microsoft.com/office/drawing/2014/main" xmlns="" val="20001"/>
+                      <a16:colId xmlns:a16="http://schemas.microsoft.com/office/drawing/2014/main" val="20001"/>
                     </a:ext>
                   </a:extLst>
                 </a:gridCol>
@@ -3125,7 +3125,7 @@
                 </a:tc>
                 <a:extLst>
                   <a:ext uri="{0D108BD9-81ED-4DB2-BD59-A6C34878D82A}">
-                    <a16:rowId xmlns:a16="http://schemas.microsoft.com/office/drawing/2014/main" xmlns="" val="10000"/>
+                    <a16:rowId xmlns:a16="http://schemas.microsoft.com/office/drawing/2014/main" val="10000"/>
                   </a:ext>
                 </a:extLst>
               </a:tr>
@@ -3247,7 +3247,7 @@
                 </a:tc>
                 <a:extLst>
                   <a:ext uri="{0D108BD9-81ED-4DB2-BD59-A6C34878D82A}">
-                    <a16:rowId xmlns:a16="http://schemas.microsoft.com/office/drawing/2014/main" xmlns="" val="10001"/>
+                    <a16:rowId xmlns:a16="http://schemas.microsoft.com/office/drawing/2014/main" val="10001"/>
                   </a:ext>
                 </a:extLst>
               </a:tr>
@@ -3369,7 +3369,7 @@
                 </a:tc>
                 <a:extLst>
                   <a:ext uri="{0D108BD9-81ED-4DB2-BD59-A6C34878D82A}">
-                    <a16:rowId xmlns:a16="http://schemas.microsoft.com/office/drawing/2014/main" xmlns="" val="10002"/>
+                    <a16:rowId xmlns:a16="http://schemas.microsoft.com/office/drawing/2014/main" val="10002"/>
                   </a:ext>
                 </a:extLst>
               </a:tr>
@@ -3491,7 +3491,7 @@
                 </a:tc>
                 <a:extLst>
                   <a:ext uri="{0D108BD9-81ED-4DB2-BD59-A6C34878D82A}">
-                    <a16:rowId xmlns:a16="http://schemas.microsoft.com/office/drawing/2014/main" xmlns="" val="10003"/>
+                    <a16:rowId xmlns:a16="http://schemas.microsoft.com/office/drawing/2014/main" val="10003"/>
                   </a:ext>
                 </a:extLst>
               </a:tr>
@@ -3613,7 +3613,7 @@
                 </a:tc>
                 <a:extLst>
                   <a:ext uri="{0D108BD9-81ED-4DB2-BD59-A6C34878D82A}">
-                    <a16:rowId xmlns:a16="http://schemas.microsoft.com/office/drawing/2014/main" xmlns="" val="10004"/>
+                    <a16:rowId xmlns:a16="http://schemas.microsoft.com/office/drawing/2014/main" val="10004"/>
                   </a:ext>
                 </a:extLst>
               </a:tr>
@@ -3735,7 +3735,7 @@
                 </a:tc>
                 <a:extLst>
                   <a:ext uri="{0D108BD9-81ED-4DB2-BD59-A6C34878D82A}">
-                    <a16:rowId xmlns:a16="http://schemas.microsoft.com/office/drawing/2014/main" xmlns="" val="10005"/>
+                    <a16:rowId xmlns:a16="http://schemas.microsoft.com/office/drawing/2014/main" val="10005"/>
                   </a:ext>
                 </a:extLst>
               </a:tr>
@@ -3865,81 +3865,6 @@
           </a:p>
         </p:txBody>
       </p:sp>
-      <p:sp>
-        <p:nvSpPr>
-          <p:cNvPr id="3" name="TextBox 2"/>
-          <p:cNvSpPr txBox="1"/>
-          <p:nvPr/>
-        </p:nvSpPr>
-        <p:spPr>
-          <a:xfrm>
-            <a:off x="5452969" y="1202077"/>
-            <a:ext cx="606256" cy="369332"/>
-          </a:xfrm>
-          <a:prstGeom prst="rect">
-            <a:avLst/>
-          </a:prstGeom>
-          <a:noFill/>
-        </p:spPr>
-        <p:txBody>
-          <a:bodyPr wrap="none" rtlCol="0">
-            <a:spAutoFit/>
-          </a:bodyPr>
-          <a:lstStyle/>
-          <a:p>
-            <a:r>
-              <a:rPr lang="en-US" dirty="0" smtClean="0">
-                <a:solidFill>
-                  <a:schemeClr val="bg1">
-                    <a:lumMod val="75000"/>
-                  </a:schemeClr>
-                </a:solidFill>
-              </a:rPr>
-              <a:t>Jean</a:t>
-            </a:r>
-            <a:endParaRPr lang="en-US" dirty="0">
-              <a:solidFill>
-                <a:schemeClr val="bg1">
-                  <a:lumMod val="75000"/>
-                </a:schemeClr>
-              </a:solidFill>
-            </a:endParaRPr>
-          </a:p>
-        </p:txBody>
-      </p:sp>
-      <p:cxnSp>
-        <p:nvCxnSpPr>
-          <p:cNvPr id="8" name="Straight Arrow Connector 7"/>
-          <p:cNvCxnSpPr/>
-          <p:nvPr/>
-        </p:nvCxnSpPr>
-        <p:spPr>
-          <a:xfrm flipH="1">
-            <a:off x="4489807" y="1407560"/>
-            <a:ext cx="763038" cy="0"/>
-          </a:xfrm>
-          <a:prstGeom prst="straightConnector1">
-            <a:avLst/>
-          </a:prstGeom>
-          <a:ln>
-            <a:tailEnd type="triangle"/>
-          </a:ln>
-        </p:spPr>
-        <p:style>
-          <a:lnRef idx="1">
-            <a:schemeClr val="accent1"/>
-          </a:lnRef>
-          <a:fillRef idx="0">
-            <a:schemeClr val="accent1"/>
-          </a:fillRef>
-          <a:effectRef idx="0">
-            <a:schemeClr val="accent1"/>
-          </a:effectRef>
-          <a:fontRef idx="minor">
-            <a:schemeClr val="tx1"/>
-          </a:fontRef>
-        </p:style>
-      </p:cxnSp>
     </p:spTree>
     <p:extLst>
       <p:ext uri="{BB962C8B-B14F-4D97-AF65-F5344CB8AC3E}">
@@ -4138,21 +4063,21 @@
                 <a:gridCol w="2057400">
                   <a:extLst>
                     <a:ext uri="{9D8B030D-6E8A-4147-A177-3AD203B41FA5}">
-                      <a16:colId xmlns:a16="http://schemas.microsoft.com/office/drawing/2014/main" xmlns="" val="20000"/>
+                      <a16:colId xmlns:a16="http://schemas.microsoft.com/office/drawing/2014/main" val="20000"/>
                     </a:ext>
                   </a:extLst>
                 </a:gridCol>
                 <a:gridCol w="2057400">
                   <a:extLst>
                     <a:ext uri="{9D8B030D-6E8A-4147-A177-3AD203B41FA5}">
-                      <a16:colId xmlns:a16="http://schemas.microsoft.com/office/drawing/2014/main" xmlns="" val="20001"/>
+                      <a16:colId xmlns:a16="http://schemas.microsoft.com/office/drawing/2014/main" val="20001"/>
                     </a:ext>
                   </a:extLst>
                 </a:gridCol>
                 <a:gridCol w="2057400">
                   <a:extLst>
                     <a:ext uri="{9D8B030D-6E8A-4147-A177-3AD203B41FA5}">
-                      <a16:colId xmlns:a16="http://schemas.microsoft.com/office/drawing/2014/main" xmlns="" val="20002"/>
+                      <a16:colId xmlns:a16="http://schemas.microsoft.com/office/drawing/2014/main" val="20002"/>
                     </a:ext>
                   </a:extLst>
                 </a:gridCol>
@@ -4332,7 +4257,7 @@
                 </a:tc>
                 <a:extLst>
                   <a:ext uri="{0D108BD9-81ED-4DB2-BD59-A6C34878D82A}">
-                    <a16:rowId xmlns:a16="http://schemas.microsoft.com/office/drawing/2014/main" xmlns="" val="10000"/>
+                    <a16:rowId xmlns:a16="http://schemas.microsoft.com/office/drawing/2014/main" val="10000"/>
                   </a:ext>
                 </a:extLst>
               </a:tr>
@@ -4508,7 +4433,7 @@
                 </a:tc>
                 <a:extLst>
                   <a:ext uri="{0D108BD9-81ED-4DB2-BD59-A6C34878D82A}">
-                    <a16:rowId xmlns:a16="http://schemas.microsoft.com/office/drawing/2014/main" xmlns="" val="10001"/>
+                    <a16:rowId xmlns:a16="http://schemas.microsoft.com/office/drawing/2014/main" val="10001"/>
                   </a:ext>
                 </a:extLst>
               </a:tr>
@@ -4684,7 +4609,7 @@
                 </a:tc>
                 <a:extLst>
                   <a:ext uri="{0D108BD9-81ED-4DB2-BD59-A6C34878D82A}">
-                    <a16:rowId xmlns:a16="http://schemas.microsoft.com/office/drawing/2014/main" xmlns="" val="10002"/>
+                    <a16:rowId xmlns:a16="http://schemas.microsoft.com/office/drawing/2014/main" val="10002"/>
                   </a:ext>
                 </a:extLst>
               </a:tr>
@@ -4860,7 +4785,7 @@
                 </a:tc>
                 <a:extLst>
                   <a:ext uri="{0D108BD9-81ED-4DB2-BD59-A6C34878D82A}">
-                    <a16:rowId xmlns:a16="http://schemas.microsoft.com/office/drawing/2014/main" xmlns="" val="10003"/>
+                    <a16:rowId xmlns:a16="http://schemas.microsoft.com/office/drawing/2014/main" val="10003"/>
                   </a:ext>
                 </a:extLst>
               </a:tr>
@@ -5036,7 +4961,7 @@
                 </a:tc>
                 <a:extLst>
                   <a:ext uri="{0D108BD9-81ED-4DB2-BD59-A6C34878D82A}">
-                    <a16:rowId xmlns:a16="http://schemas.microsoft.com/office/drawing/2014/main" xmlns="" val="10004"/>
+                    <a16:rowId xmlns:a16="http://schemas.microsoft.com/office/drawing/2014/main" val="10004"/>
                   </a:ext>
                 </a:extLst>
               </a:tr>
@@ -5212,7 +5137,7 @@
                 </a:tc>
                 <a:extLst>
                   <a:ext uri="{0D108BD9-81ED-4DB2-BD59-A6C34878D82A}">
-                    <a16:rowId xmlns:a16="http://schemas.microsoft.com/office/drawing/2014/main" xmlns="" val="10005"/>
+                    <a16:rowId xmlns:a16="http://schemas.microsoft.com/office/drawing/2014/main" val="10005"/>
                   </a:ext>
                 </a:extLst>
               </a:tr>

--- a/w7/w7-s6-av-slide1.pptx
+++ b/w7/w7-s6-av-slide1.pptx
@@ -5,9 +5,10 @@
     <p:sldMasterId id="2147483648" r:id="rId1"/>
   </p:sldMasterIdLst>
   <p:sldIdLst>
-    <p:sldId id="261" r:id="rId2"/>
-    <p:sldId id="259" r:id="rId3"/>
-    <p:sldId id="262" r:id="rId4"/>
+    <p:sldId id="263" r:id="rId2"/>
+    <p:sldId id="261" r:id="rId3"/>
+    <p:sldId id="259" r:id="rId4"/>
+    <p:sldId id="262" r:id="rId5"/>
   </p:sldIdLst>
   <p:sldSz cx="12192000" cy="6858000"/>
   <p:notesSz cx="6858000" cy="9144000"/>
@@ -245,7 +246,7 @@
           <a:p>
             <a:fld id="{2D9D616D-B1D5-4DF0-A220-24114155C41E}" type="datetimeFigureOut">
               <a:rPr lang="en-US" smtClean="0"/>
-              <a:t>7/9/2018</a:t>
+              <a:t>7/11/2018</a:t>
             </a:fld>
             <a:endParaRPr lang="en-US"/>
           </a:p>
@@ -415,7 +416,7 @@
           <a:p>
             <a:fld id="{2D9D616D-B1D5-4DF0-A220-24114155C41E}" type="datetimeFigureOut">
               <a:rPr lang="en-US" smtClean="0"/>
-              <a:t>7/9/2018</a:t>
+              <a:t>7/11/2018</a:t>
             </a:fld>
             <a:endParaRPr lang="en-US"/>
           </a:p>
@@ -595,7 +596,7 @@
           <a:p>
             <a:fld id="{2D9D616D-B1D5-4DF0-A220-24114155C41E}" type="datetimeFigureOut">
               <a:rPr lang="en-US" smtClean="0"/>
-              <a:t>7/9/2018</a:t>
+              <a:t>7/11/2018</a:t>
             </a:fld>
             <a:endParaRPr lang="en-US"/>
           </a:p>
@@ -765,7 +766,7 @@
           <a:p>
             <a:fld id="{2D9D616D-B1D5-4DF0-A220-24114155C41E}" type="datetimeFigureOut">
               <a:rPr lang="en-US" smtClean="0"/>
-              <a:t>7/9/2018</a:t>
+              <a:t>7/11/2018</a:t>
             </a:fld>
             <a:endParaRPr lang="en-US"/>
           </a:p>
@@ -1011,7 +1012,7 @@
           <a:p>
             <a:fld id="{2D9D616D-B1D5-4DF0-A220-24114155C41E}" type="datetimeFigureOut">
               <a:rPr lang="en-US" smtClean="0"/>
-              <a:t>7/9/2018</a:t>
+              <a:t>7/11/2018</a:t>
             </a:fld>
             <a:endParaRPr lang="en-US"/>
           </a:p>
@@ -1243,7 +1244,7 @@
           <a:p>
             <a:fld id="{2D9D616D-B1D5-4DF0-A220-24114155C41E}" type="datetimeFigureOut">
               <a:rPr lang="en-US" smtClean="0"/>
-              <a:t>7/9/2018</a:t>
+              <a:t>7/11/2018</a:t>
             </a:fld>
             <a:endParaRPr lang="en-US"/>
           </a:p>
@@ -1610,7 +1611,7 @@
           <a:p>
             <a:fld id="{2D9D616D-B1D5-4DF0-A220-24114155C41E}" type="datetimeFigureOut">
               <a:rPr lang="en-US" smtClean="0"/>
-              <a:t>7/9/2018</a:t>
+              <a:t>7/11/2018</a:t>
             </a:fld>
             <a:endParaRPr lang="en-US"/>
           </a:p>
@@ -1728,7 +1729,7 @@
           <a:p>
             <a:fld id="{2D9D616D-B1D5-4DF0-A220-24114155C41E}" type="datetimeFigureOut">
               <a:rPr lang="en-US" smtClean="0"/>
-              <a:t>7/9/2018</a:t>
+              <a:t>7/11/2018</a:t>
             </a:fld>
             <a:endParaRPr lang="en-US"/>
           </a:p>
@@ -1823,7 +1824,7 @@
           <a:p>
             <a:fld id="{2D9D616D-B1D5-4DF0-A220-24114155C41E}" type="datetimeFigureOut">
               <a:rPr lang="en-US" smtClean="0"/>
-              <a:t>7/9/2018</a:t>
+              <a:t>7/11/2018</a:t>
             </a:fld>
             <a:endParaRPr lang="en-US"/>
           </a:p>
@@ -2100,7 +2101,7 @@
           <a:p>
             <a:fld id="{2D9D616D-B1D5-4DF0-A220-24114155C41E}" type="datetimeFigureOut">
               <a:rPr lang="en-US" smtClean="0"/>
-              <a:t>7/9/2018</a:t>
+              <a:t>7/11/2018</a:t>
             </a:fld>
             <a:endParaRPr lang="en-US"/>
           </a:p>
@@ -2353,7 +2354,7 @@
           <a:p>
             <a:fld id="{2D9D616D-B1D5-4DF0-A220-24114155C41E}" type="datetimeFigureOut">
               <a:rPr lang="en-US" smtClean="0"/>
-              <a:t>7/9/2018</a:t>
+              <a:t>7/11/2018</a:t>
             </a:fld>
             <a:endParaRPr lang="en-US"/>
           </a:p>
@@ -2566,7 +2567,7 @@
           <a:p>
             <a:fld id="{2D9D616D-B1D5-4DF0-A220-24114155C41E}" type="datetimeFigureOut">
               <a:rPr lang="en-US" smtClean="0"/>
-              <a:t>7/9/2018</a:t>
+              <a:t>7/11/2018</a:t>
             </a:fld>
             <a:endParaRPr lang="en-US"/>
           </a:p>
@@ -2971,6 +2972,81 @@
           <a:chExt cx="0" cy="0"/>
         </a:xfrm>
       </p:grpSpPr>
+      <p:sp>
+        <p:nvSpPr>
+          <p:cNvPr id="2" name="Titre 1"/>
+          <p:cNvSpPr>
+            <a:spLocks noGrp="1"/>
+          </p:cNvSpPr>
+          <p:nvPr>
+            <p:ph type="title"/>
+          </p:nvPr>
+        </p:nvSpPr>
+        <p:spPr/>
+        <p:txBody>
+          <a:bodyPr/>
+          <a:lstStyle/>
+          <a:p>
+            <a:endParaRPr lang="fr-FR"/>
+          </a:p>
+        </p:txBody>
+      </p:sp>
+      <p:sp>
+        <p:nvSpPr>
+          <p:cNvPr id="3" name="Espace réservé du contenu 2"/>
+          <p:cNvSpPr>
+            <a:spLocks noGrp="1"/>
+          </p:cNvSpPr>
+          <p:nvPr>
+            <p:ph idx="1"/>
+          </p:nvPr>
+        </p:nvSpPr>
+        <p:spPr/>
+        <p:txBody>
+          <a:bodyPr/>
+          <a:lstStyle/>
+          <a:p>
+            <a:endParaRPr lang="fr-FR"/>
+          </a:p>
+        </p:txBody>
+      </p:sp>
+    </p:spTree>
+    <p:extLst>
+      <p:ext uri="{BB962C8B-B14F-4D97-AF65-F5344CB8AC3E}">
+        <p14:creationId xmlns:p14="http://schemas.microsoft.com/office/powerpoint/2010/main" val="3677086621"/>
+      </p:ext>
+    </p:extLst>
+  </p:cSld>
+  <p:clrMapOvr>
+    <a:masterClrMapping/>
+  </p:clrMapOvr>
+  <p:timing>
+    <p:tnLst>
+      <p:par>
+        <p:cTn id="1" dur="indefinite" restart="never" nodeType="tmRoot"/>
+      </p:par>
+    </p:tnLst>
+  </p:timing>
+</p:sld>
+</file>
+
+<file path=ppt/slides/slide2.xml><?xml version="1.0" encoding="utf-8"?>
+<p:sld xmlns:a="http://schemas.openxmlformats.org/drawingml/2006/main" xmlns:r="http://schemas.openxmlformats.org/officeDocument/2006/relationships" xmlns:p="http://schemas.openxmlformats.org/presentationml/2006/main">
+  <p:cSld>
+    <p:spTree>
+      <p:nvGrpSpPr>
+        <p:cNvPr id="1" name=""/>
+        <p:cNvGrpSpPr/>
+        <p:nvPr/>
+      </p:nvGrpSpPr>
+      <p:grpSpPr>
+        <a:xfrm>
+          <a:off x="0" y="0"/>
+          <a:ext cx="0" cy="0"/>
+          <a:chOff x="0" y="0"/>
+          <a:chExt cx="0" cy="0"/>
+        </a:xfrm>
+      </p:grpSpPr>
       <p:graphicFrame>
         <p:nvGraphicFramePr>
           <p:cNvPr id="4" name="Espace réservé du contenu 4"/>
@@ -4018,7 +4094,7 @@
 </p:sld>
 </file>
 
-<file path=ppt/slides/slide2.xml><?xml version="1.0" encoding="utf-8"?>
+<file path=ppt/slides/slide3.xml><?xml version="1.0" encoding="utf-8"?>
 <p:sld xmlns:a="http://schemas.openxmlformats.org/drawingml/2006/main" xmlns:r="http://schemas.openxmlformats.org/officeDocument/2006/relationships" xmlns:p="http://schemas.openxmlformats.org/presentationml/2006/main">
   <p:cSld>
     <p:spTree>
@@ -5474,7 +5550,7 @@
 </p:sld>
 </file>
 
-<file path=ppt/slides/slide3.xml><?xml version="1.0" encoding="utf-8"?>
+<file path=ppt/slides/slide4.xml><?xml version="1.0" encoding="utf-8"?>
 <p:sld xmlns:a="http://schemas.openxmlformats.org/drawingml/2006/main" xmlns:r="http://schemas.openxmlformats.org/officeDocument/2006/relationships" xmlns:p="http://schemas.openxmlformats.org/presentationml/2006/main">
   <p:cSld>
     <p:spTree>
